--- a/2019/7月.pptx
+++ b/2019/7月.pptx
@@ -8,6 +8,12 @@
     <p:sldId id="257" r:id="rId2"/>
     <p:sldId id="258" r:id="rId3"/>
     <p:sldId id="259" r:id="rId4"/>
+    <p:sldId id="260" r:id="rId5"/>
+    <p:sldId id="261" r:id="rId6"/>
+    <p:sldId id="262" r:id="rId7"/>
+    <p:sldId id="263" r:id="rId8"/>
+    <p:sldId id="264" r:id="rId9"/>
+    <p:sldId id="265" r:id="rId10"/>
   </p:sldIdLst>
   <p:sldSz cx="9144000" cy="5143500" type="screen16x9"/>
   <p:notesSz cx="6858000" cy="9144000"/>
@@ -290,7 +296,7 @@
           <a:p>
             <a:fld id="{890ECC4F-0DF5-460F-A246-697167C0E986}" type="datetimeFigureOut">
               <a:rPr lang="zh-TW" altLang="en-US" smtClean="0"/>
-              <a:t>2019/7/21</a:t>
+              <a:t>2019/8/3</a:t>
             </a:fld>
             <a:endParaRPr lang="zh-TW" altLang="en-US"/>
           </a:p>
@@ -455,7 +461,7 @@
           <a:p>
             <a:fld id="{890ECC4F-0DF5-460F-A246-697167C0E986}" type="datetimeFigureOut">
               <a:rPr lang="zh-TW" altLang="en-US" smtClean="0"/>
-              <a:t>2019/7/21</a:t>
+              <a:t>2019/8/3</a:t>
             </a:fld>
             <a:endParaRPr lang="zh-TW" altLang="en-US"/>
           </a:p>
@@ -630,7 +636,7 @@
           <a:p>
             <a:fld id="{890ECC4F-0DF5-460F-A246-697167C0E986}" type="datetimeFigureOut">
               <a:rPr lang="zh-TW" altLang="en-US" smtClean="0"/>
-              <a:t>2019/7/21</a:t>
+              <a:t>2019/8/3</a:t>
             </a:fld>
             <a:endParaRPr lang="zh-TW" altLang="en-US"/>
           </a:p>
@@ -795,7 +801,7 @@
           <a:p>
             <a:fld id="{890ECC4F-0DF5-460F-A246-697167C0E986}" type="datetimeFigureOut">
               <a:rPr lang="zh-TW" altLang="en-US" smtClean="0"/>
-              <a:t>2019/7/21</a:t>
+              <a:t>2019/8/3</a:t>
             </a:fld>
             <a:endParaRPr lang="zh-TW" altLang="en-US"/>
           </a:p>
@@ -1036,7 +1042,7 @@
           <a:p>
             <a:fld id="{890ECC4F-0DF5-460F-A246-697167C0E986}" type="datetimeFigureOut">
               <a:rPr lang="zh-TW" altLang="en-US" smtClean="0"/>
-              <a:t>2019/7/21</a:t>
+              <a:t>2019/8/3</a:t>
             </a:fld>
             <a:endParaRPr lang="zh-TW" altLang="en-US"/>
           </a:p>
@@ -1319,7 +1325,7 @@
           <a:p>
             <a:fld id="{890ECC4F-0DF5-460F-A246-697167C0E986}" type="datetimeFigureOut">
               <a:rPr lang="zh-TW" altLang="en-US" smtClean="0"/>
-              <a:t>2019/7/21</a:t>
+              <a:t>2019/8/3</a:t>
             </a:fld>
             <a:endParaRPr lang="zh-TW" altLang="en-US"/>
           </a:p>
@@ -1736,7 +1742,7 @@
           <a:p>
             <a:fld id="{890ECC4F-0DF5-460F-A246-697167C0E986}" type="datetimeFigureOut">
               <a:rPr lang="zh-TW" altLang="en-US" smtClean="0"/>
-              <a:t>2019/7/21</a:t>
+              <a:t>2019/8/3</a:t>
             </a:fld>
             <a:endParaRPr lang="zh-TW" altLang="en-US"/>
           </a:p>
@@ -1849,7 +1855,7 @@
           <a:p>
             <a:fld id="{890ECC4F-0DF5-460F-A246-697167C0E986}" type="datetimeFigureOut">
               <a:rPr lang="zh-TW" altLang="en-US" smtClean="0"/>
-              <a:t>2019/7/21</a:t>
+              <a:t>2019/8/3</a:t>
             </a:fld>
             <a:endParaRPr lang="zh-TW" altLang="en-US"/>
           </a:p>
@@ -1939,7 +1945,7 @@
           <a:p>
             <a:fld id="{890ECC4F-0DF5-460F-A246-697167C0E986}" type="datetimeFigureOut">
               <a:rPr lang="zh-TW" altLang="en-US" smtClean="0"/>
-              <a:t>2019/7/21</a:t>
+              <a:t>2019/8/3</a:t>
             </a:fld>
             <a:endParaRPr lang="zh-TW" altLang="en-US"/>
           </a:p>
@@ -2211,7 +2217,7 @@
           <a:p>
             <a:fld id="{890ECC4F-0DF5-460F-A246-697167C0E986}" type="datetimeFigureOut">
               <a:rPr lang="zh-TW" altLang="en-US" smtClean="0"/>
-              <a:t>2019/7/21</a:t>
+              <a:t>2019/8/3</a:t>
             </a:fld>
             <a:endParaRPr lang="zh-TW" altLang="en-US"/>
           </a:p>
@@ -2463,7 +2469,7 @@
           <a:p>
             <a:fld id="{890ECC4F-0DF5-460F-A246-697167C0E986}" type="datetimeFigureOut">
               <a:rPr lang="zh-TW" altLang="en-US" smtClean="0"/>
-              <a:t>2019/7/21</a:t>
+              <a:t>2019/8/3</a:t>
             </a:fld>
             <a:endParaRPr lang="zh-TW" altLang="en-US"/>
           </a:p>
@@ -2676,7 +2682,7 @@
           <a:p>
             <a:fld id="{890ECC4F-0DF5-460F-A246-697167C0E986}" type="datetimeFigureOut">
               <a:rPr lang="zh-TW" altLang="en-US" smtClean="0"/>
-              <a:t>2019/7/21</a:t>
+              <a:t>2019/8/3</a:t>
             </a:fld>
             <a:endParaRPr lang="zh-TW" altLang="en-US"/>
           </a:p>
@@ -3617,6 +3623,961 @@
         </p:txBody>
       </p:sp>
     </p:spTree>
+  </p:cSld>
+  <p:clrMapOvr>
+    <a:masterClrMapping/>
+  </p:clrMapOvr>
+</p:sld>
+</file>
+
+<file path=ppt/slides/slide4.xml><?xml version="1.0" encoding="utf-8"?>
+<p:sld xmlns:a="http://schemas.openxmlformats.org/drawingml/2006/main" xmlns:r="http://schemas.openxmlformats.org/officeDocument/2006/relationships" xmlns:p="http://schemas.openxmlformats.org/presentationml/2006/main">
+  <p:cSld>
+    <p:spTree>
+      <p:nvGrpSpPr>
+        <p:cNvPr id="1" name=""/>
+        <p:cNvGrpSpPr/>
+        <p:nvPr/>
+      </p:nvGrpSpPr>
+      <p:grpSpPr>
+        <a:xfrm>
+          <a:off x="0" y="0"/>
+          <a:ext cx="0" cy="0"/>
+          <a:chOff x="0" y="0"/>
+          <a:chExt cx="0" cy="0"/>
+        </a:xfrm>
+      </p:grpSpPr>
+      <p:sp>
+        <p:nvSpPr>
+          <p:cNvPr id="2" name="Title 1"/>
+          <p:cNvSpPr>
+            <a:spLocks noGrp="1"/>
+          </p:cNvSpPr>
+          <p:nvPr>
+            <p:ph type="title"/>
+          </p:nvPr>
+        </p:nvSpPr>
+        <p:spPr/>
+        <p:txBody>
+          <a:bodyPr/>
+          <a:lstStyle/>
+          <a:p>
+            <a:r>
+              <a:rPr lang="zh-CN" altLang="en-US" b="1" dirty="0" smtClean="0">
+                <a:latin typeface="Microsoft JhengHei" pitchFamily="34" charset="-120"/>
+                <a:ea typeface="Microsoft JhengHei" pitchFamily="34" charset="-120"/>
+              </a:rPr>
+              <a:t>齊來背十誡</a:t>
+            </a:r>
+            <a:endParaRPr lang="en-US" b="1" dirty="0">
+              <a:latin typeface="Microsoft JhengHei" pitchFamily="34" charset="-120"/>
+              <a:ea typeface="Microsoft JhengHei" pitchFamily="34" charset="-120"/>
+            </a:endParaRPr>
+          </a:p>
+        </p:txBody>
+      </p:sp>
+      <p:sp>
+        <p:nvSpPr>
+          <p:cNvPr id="3" name="Content Placeholder 2"/>
+          <p:cNvSpPr>
+            <a:spLocks noGrp="1"/>
+          </p:cNvSpPr>
+          <p:nvPr>
+            <p:ph idx="1"/>
+          </p:nvPr>
+        </p:nvSpPr>
+        <p:spPr>
+          <a:xfrm>
+            <a:off x="0" y="1200151"/>
+            <a:ext cx="9144000" cy="3394472"/>
+          </a:xfrm>
+        </p:spPr>
+        <p:txBody>
+          <a:bodyPr>
+            <a:normAutofit/>
+          </a:bodyPr>
+          <a:lstStyle/>
+          <a:p>
+            <a:pPr marL="0" indent="0" algn="ctr">
+              <a:buNone/>
+            </a:pPr>
+            <a:r>
+              <a:rPr lang="zh-CN" altLang="en-US" sz="4800" b="1" dirty="0" smtClean="0">
+                <a:latin typeface="Microsoft JhengHei" pitchFamily="34" charset="-120"/>
+                <a:ea typeface="Microsoft JhengHei" pitchFamily="34" charset="-120"/>
+              </a:rPr>
+              <a:t>十誡是</a:t>
+            </a:r>
+            <a:r>
+              <a:rPr lang="zh-CN" altLang="en-US" sz="4800" b="1" dirty="0" smtClean="0">
+                <a:latin typeface="Microsoft JhengHei" pitchFamily="34" charset="-120"/>
+                <a:ea typeface="Microsoft JhengHei" pitchFamily="34" charset="-120"/>
+              </a:rPr>
+              <a:t>十誡</a:t>
+            </a:r>
+            <a:r>
+              <a:rPr lang="en-US" altLang="zh-CN" sz="4800" b="1" dirty="0">
+                <a:latin typeface="Microsoft JhengHei" pitchFamily="34" charset="-120"/>
+                <a:ea typeface="Microsoft JhengHei" pitchFamily="34" charset="-120"/>
+              </a:rPr>
+              <a:t> </a:t>
+            </a:r>
+            <a:r>
+              <a:rPr lang="en-US" altLang="zh-CN" sz="4800" b="1" dirty="0" smtClean="0">
+                <a:latin typeface="Microsoft JhengHei" pitchFamily="34" charset="-120"/>
+                <a:ea typeface="Microsoft JhengHei" pitchFamily="34" charset="-120"/>
+              </a:rPr>
+              <a:t>  </a:t>
+            </a:r>
+            <a:r>
+              <a:rPr lang="zh-CN" altLang="en-US" sz="4800" b="1" dirty="0" smtClean="0">
+                <a:latin typeface="Microsoft JhengHei" pitchFamily="34" charset="-120"/>
+                <a:ea typeface="Microsoft JhengHei" pitchFamily="34" charset="-120"/>
+              </a:rPr>
+              <a:t>你</a:t>
+            </a:r>
+            <a:r>
+              <a:rPr lang="zh-CN" altLang="en-US" sz="4800" b="1" dirty="0">
+                <a:latin typeface="Microsoft JhengHei" pitchFamily="34" charset="-120"/>
+                <a:ea typeface="Microsoft JhengHei" pitchFamily="34" charset="-120"/>
+              </a:rPr>
+              <a:t>我也</a:t>
+            </a:r>
+            <a:r>
+              <a:rPr lang="zh-CN" altLang="en-US" sz="4800" b="1" dirty="0" smtClean="0">
+                <a:latin typeface="Microsoft JhengHei" pitchFamily="34" charset="-120"/>
+                <a:ea typeface="Microsoft JhengHei" pitchFamily="34" charset="-120"/>
+              </a:rPr>
+              <a:t>當守</a:t>
+            </a:r>
+            <a:r>
+              <a:rPr lang="zh-CN" altLang="en-US" sz="4800" b="1" dirty="0" smtClean="0">
+                <a:latin typeface="Microsoft JhengHei" pitchFamily="34" charset="-120"/>
+                <a:ea typeface="Microsoft JhengHei" pitchFamily="34" charset="-120"/>
+              </a:rPr>
+              <a:t>十誡</a:t>
+            </a:r>
+            <a:endParaRPr lang="en-US" altLang="zh-CN" sz="4800" b="1" dirty="0" smtClean="0">
+              <a:latin typeface="Microsoft JhengHei" pitchFamily="34" charset="-120"/>
+              <a:ea typeface="Microsoft JhengHei" pitchFamily="34" charset="-120"/>
+            </a:endParaRPr>
+          </a:p>
+          <a:p>
+            <a:pPr marL="0" indent="0" algn="ctr">
+              <a:buNone/>
+            </a:pPr>
+            <a:r>
+              <a:rPr lang="zh-CN" altLang="en-US" sz="4800" b="1" dirty="0" smtClean="0">
+                <a:latin typeface="Microsoft JhengHei" pitchFamily="34" charset="-120"/>
+                <a:ea typeface="Microsoft JhengHei" pitchFamily="34" charset="-120"/>
+              </a:rPr>
+              <a:t>誰快   誰人快</a:t>
+            </a:r>
+            <a:endParaRPr lang="en-US" altLang="zh-CN" sz="4800" b="1" dirty="0" smtClean="0">
+              <a:latin typeface="Microsoft JhengHei" pitchFamily="34" charset="-120"/>
+              <a:ea typeface="Microsoft JhengHei" pitchFamily="34" charset="-120"/>
+            </a:endParaRPr>
+          </a:p>
+          <a:p>
+            <a:pPr marL="0" indent="0" algn="ctr">
+              <a:buNone/>
+            </a:pPr>
+            <a:r>
+              <a:rPr lang="zh-CN" altLang="en-US" sz="4800" b="1" dirty="0">
+                <a:latin typeface="Microsoft JhengHei" pitchFamily="34" charset="-120"/>
+                <a:ea typeface="Microsoft JhengHei" pitchFamily="34" charset="-120"/>
+              </a:rPr>
+              <a:t>誰</a:t>
+            </a:r>
+            <a:r>
+              <a:rPr lang="zh-CN" altLang="en-US" sz="4800" b="1" dirty="0" smtClean="0">
+                <a:latin typeface="Microsoft JhengHei" pitchFamily="34" charset="-120"/>
+                <a:ea typeface="Microsoft JhengHei" pitchFamily="34" charset="-120"/>
+              </a:rPr>
+              <a:t>能夠最背得快</a:t>
+            </a:r>
+            <a:endParaRPr lang="en-US" sz="4800" b="1" dirty="0">
+              <a:latin typeface="Microsoft JhengHei" pitchFamily="34" charset="-120"/>
+              <a:ea typeface="Microsoft JhengHei" pitchFamily="34" charset="-120"/>
+            </a:endParaRPr>
+          </a:p>
+        </p:txBody>
+      </p:sp>
+    </p:spTree>
+    <p:extLst>
+      <p:ext uri="{BB962C8B-B14F-4D97-AF65-F5344CB8AC3E}">
+        <p14:creationId xmlns:p14="http://schemas.microsoft.com/office/powerpoint/2010/main" val="42310119"/>
+      </p:ext>
+    </p:extLst>
+  </p:cSld>
+  <p:clrMapOvr>
+    <a:masterClrMapping/>
+  </p:clrMapOvr>
+</p:sld>
+</file>
+
+<file path=ppt/slides/slide5.xml><?xml version="1.0" encoding="utf-8"?>
+<p:sld xmlns:a="http://schemas.openxmlformats.org/drawingml/2006/main" xmlns:r="http://schemas.openxmlformats.org/officeDocument/2006/relationships" xmlns:p="http://schemas.openxmlformats.org/presentationml/2006/main">
+  <p:cSld>
+    <p:spTree>
+      <p:nvGrpSpPr>
+        <p:cNvPr id="1" name=""/>
+        <p:cNvGrpSpPr/>
+        <p:nvPr/>
+      </p:nvGrpSpPr>
+      <p:grpSpPr>
+        <a:xfrm>
+          <a:off x="0" y="0"/>
+          <a:ext cx="0" cy="0"/>
+          <a:chOff x="0" y="0"/>
+          <a:chExt cx="0" cy="0"/>
+        </a:xfrm>
+      </p:grpSpPr>
+      <p:sp>
+        <p:nvSpPr>
+          <p:cNvPr id="2" name="Title 1"/>
+          <p:cNvSpPr>
+            <a:spLocks noGrp="1"/>
+          </p:cNvSpPr>
+          <p:nvPr>
+            <p:ph type="title"/>
+          </p:nvPr>
+        </p:nvSpPr>
+        <p:spPr/>
+        <p:txBody>
+          <a:bodyPr/>
+          <a:lstStyle/>
+          <a:p>
+            <a:r>
+              <a:rPr lang="zh-CN" altLang="en-US" b="1" dirty="0" smtClean="0">
+                <a:latin typeface="Microsoft JhengHei" pitchFamily="34" charset="-120"/>
+                <a:ea typeface="Microsoft JhengHei" pitchFamily="34" charset="-120"/>
+              </a:rPr>
+              <a:t>齊來背十誡</a:t>
+            </a:r>
+            <a:endParaRPr lang="en-US" b="1" dirty="0">
+              <a:latin typeface="Microsoft JhengHei" pitchFamily="34" charset="-120"/>
+              <a:ea typeface="Microsoft JhengHei" pitchFamily="34" charset="-120"/>
+            </a:endParaRPr>
+          </a:p>
+        </p:txBody>
+      </p:sp>
+      <p:sp>
+        <p:nvSpPr>
+          <p:cNvPr id="3" name="Content Placeholder 2"/>
+          <p:cNvSpPr>
+            <a:spLocks noGrp="1"/>
+          </p:cNvSpPr>
+          <p:nvPr>
+            <p:ph idx="1"/>
+          </p:nvPr>
+        </p:nvSpPr>
+        <p:spPr>
+          <a:xfrm>
+            <a:off x="0" y="1200151"/>
+            <a:ext cx="9144000" cy="3394472"/>
+          </a:xfrm>
+        </p:spPr>
+        <p:txBody>
+          <a:bodyPr>
+            <a:normAutofit lnSpcReduction="10000"/>
+          </a:bodyPr>
+          <a:lstStyle/>
+          <a:p>
+            <a:pPr marL="0" indent="0" algn="ctr">
+              <a:buNone/>
+            </a:pPr>
+            <a:r>
+              <a:rPr lang="zh-CN" altLang="en-US" sz="4800" b="1" dirty="0">
+                <a:latin typeface="Microsoft JhengHei" pitchFamily="34" charset="-120"/>
+                <a:ea typeface="Microsoft JhengHei" pitchFamily="34" charset="-120"/>
+              </a:rPr>
+              <a:t>第一</a:t>
+            </a:r>
+            <a:r>
+              <a:rPr lang="zh-CN" altLang="en-US" sz="4800" b="1" dirty="0" smtClean="0">
+                <a:latin typeface="Microsoft JhengHei" pitchFamily="34" charset="-120"/>
+                <a:ea typeface="Microsoft JhengHei" pitchFamily="34" charset="-120"/>
+              </a:rPr>
+              <a:t>誡主說除了我以外</a:t>
+            </a:r>
+            <a:endParaRPr lang="en-US" altLang="zh-CN" sz="4800" b="1" dirty="0" smtClean="0">
+              <a:latin typeface="Microsoft JhengHei" pitchFamily="34" charset="-120"/>
+              <a:ea typeface="Microsoft JhengHei" pitchFamily="34" charset="-120"/>
+            </a:endParaRPr>
+          </a:p>
+          <a:p>
+            <a:pPr marL="0" indent="0" algn="ctr">
+              <a:buNone/>
+            </a:pPr>
+            <a:r>
+              <a:rPr lang="zh-CN" altLang="en-US" sz="4800" b="1" dirty="0">
+                <a:latin typeface="Microsoft JhengHei" pitchFamily="34" charset="-120"/>
+                <a:ea typeface="Microsoft JhengHei" pitchFamily="34" charset="-120"/>
+              </a:rPr>
+              <a:t>不</a:t>
+            </a:r>
+            <a:r>
+              <a:rPr lang="zh-CN" altLang="en-US" sz="4800" b="1" dirty="0" smtClean="0">
+                <a:latin typeface="Microsoft JhengHei" pitchFamily="34" charset="-120"/>
+                <a:ea typeface="Microsoft JhengHei" pitchFamily="34" charset="-120"/>
+              </a:rPr>
+              <a:t>可敬拜別的神</a:t>
+            </a:r>
+            <a:endParaRPr lang="en-US" altLang="zh-CN" sz="4800" b="1" dirty="0" smtClean="0">
+              <a:latin typeface="Microsoft JhengHei" pitchFamily="34" charset="-120"/>
+              <a:ea typeface="Microsoft JhengHei" pitchFamily="34" charset="-120"/>
+            </a:endParaRPr>
+          </a:p>
+          <a:p>
+            <a:pPr marL="0" indent="0" algn="ctr">
+              <a:buNone/>
+            </a:pPr>
+            <a:r>
+              <a:rPr lang="zh-CN" altLang="en-US" sz="4800" b="1" dirty="0">
+                <a:latin typeface="Microsoft JhengHei" pitchFamily="34" charset="-120"/>
+                <a:ea typeface="Microsoft JhengHei" pitchFamily="34" charset="-120"/>
+              </a:rPr>
+              <a:t>第</a:t>
+            </a:r>
+            <a:r>
+              <a:rPr lang="zh-CN" altLang="en-US" sz="4800" b="1" dirty="0" smtClean="0">
+                <a:latin typeface="Microsoft JhengHei" pitchFamily="34" charset="-120"/>
+                <a:ea typeface="Microsoft JhengHei" pitchFamily="34" charset="-120"/>
+              </a:rPr>
+              <a:t>二誡</a:t>
+            </a:r>
+            <a:r>
+              <a:rPr lang="zh-CN" altLang="en-US" sz="4800" b="1" dirty="0">
+                <a:latin typeface="Microsoft JhengHei" pitchFamily="34" charset="-120"/>
+                <a:ea typeface="Microsoft JhengHei" pitchFamily="34" charset="-120"/>
+              </a:rPr>
+              <a:t>不可敬</a:t>
+            </a:r>
+            <a:r>
+              <a:rPr lang="zh-CN" altLang="en-US" sz="4800" b="1" dirty="0" smtClean="0">
+                <a:latin typeface="Microsoft JhengHei" pitchFamily="34" charset="-120"/>
+                <a:ea typeface="Microsoft JhengHei" pitchFamily="34" charset="-120"/>
+              </a:rPr>
+              <a:t>拜偶像</a:t>
+            </a:r>
+            <a:endParaRPr lang="en-US" altLang="zh-CN" sz="4800" b="1" dirty="0" smtClean="0">
+              <a:latin typeface="Microsoft JhengHei" pitchFamily="34" charset="-120"/>
+              <a:ea typeface="Microsoft JhengHei" pitchFamily="34" charset="-120"/>
+            </a:endParaRPr>
+          </a:p>
+          <a:p>
+            <a:pPr marL="0" indent="0" algn="ctr">
+              <a:buNone/>
+            </a:pPr>
+            <a:r>
+              <a:rPr lang="zh-CN" altLang="en-US" sz="4800" b="1" dirty="0" smtClean="0">
+                <a:latin typeface="Microsoft JhengHei" pitchFamily="34" charset="-120"/>
+                <a:ea typeface="Microsoft JhengHei" pitchFamily="34" charset="-120"/>
+              </a:rPr>
+              <a:t>第三誡不可妄稱主名</a:t>
+            </a:r>
+            <a:endParaRPr lang="en-US" sz="4800" b="1" dirty="0">
+              <a:latin typeface="Microsoft JhengHei" pitchFamily="34" charset="-120"/>
+              <a:ea typeface="Microsoft JhengHei" pitchFamily="34" charset="-120"/>
+            </a:endParaRPr>
+          </a:p>
+        </p:txBody>
+      </p:sp>
+    </p:spTree>
+    <p:extLst>
+      <p:ext uri="{BB962C8B-B14F-4D97-AF65-F5344CB8AC3E}">
+        <p14:creationId xmlns:p14="http://schemas.microsoft.com/office/powerpoint/2010/main" val="1114038729"/>
+      </p:ext>
+    </p:extLst>
+  </p:cSld>
+  <p:clrMapOvr>
+    <a:masterClrMapping/>
+  </p:clrMapOvr>
+</p:sld>
+</file>
+
+<file path=ppt/slides/slide6.xml><?xml version="1.0" encoding="utf-8"?>
+<p:sld xmlns:a="http://schemas.openxmlformats.org/drawingml/2006/main" xmlns:r="http://schemas.openxmlformats.org/officeDocument/2006/relationships" xmlns:p="http://schemas.openxmlformats.org/presentationml/2006/main">
+  <p:cSld>
+    <p:spTree>
+      <p:nvGrpSpPr>
+        <p:cNvPr id="1" name=""/>
+        <p:cNvGrpSpPr/>
+        <p:nvPr/>
+      </p:nvGrpSpPr>
+      <p:grpSpPr>
+        <a:xfrm>
+          <a:off x="0" y="0"/>
+          <a:ext cx="0" cy="0"/>
+          <a:chOff x="0" y="0"/>
+          <a:chExt cx="0" cy="0"/>
+        </a:xfrm>
+      </p:grpSpPr>
+      <p:sp>
+        <p:nvSpPr>
+          <p:cNvPr id="2" name="Title 1"/>
+          <p:cNvSpPr>
+            <a:spLocks noGrp="1"/>
+          </p:cNvSpPr>
+          <p:nvPr>
+            <p:ph type="title"/>
+          </p:nvPr>
+        </p:nvSpPr>
+        <p:spPr/>
+        <p:txBody>
+          <a:bodyPr/>
+          <a:lstStyle/>
+          <a:p>
+            <a:r>
+              <a:rPr lang="zh-CN" altLang="en-US" b="1" dirty="0" smtClean="0">
+                <a:latin typeface="Microsoft JhengHei" pitchFamily="34" charset="-120"/>
+                <a:ea typeface="Microsoft JhengHei" pitchFamily="34" charset="-120"/>
+              </a:rPr>
+              <a:t>齊來背十誡</a:t>
+            </a:r>
+            <a:endParaRPr lang="en-US" b="1" dirty="0">
+              <a:latin typeface="Microsoft JhengHei" pitchFamily="34" charset="-120"/>
+              <a:ea typeface="Microsoft JhengHei" pitchFamily="34" charset="-120"/>
+            </a:endParaRPr>
+          </a:p>
+        </p:txBody>
+      </p:sp>
+      <p:sp>
+        <p:nvSpPr>
+          <p:cNvPr id="3" name="Content Placeholder 2"/>
+          <p:cNvSpPr>
+            <a:spLocks noGrp="1"/>
+          </p:cNvSpPr>
+          <p:nvPr>
+            <p:ph idx="1"/>
+          </p:nvPr>
+        </p:nvSpPr>
+        <p:spPr>
+          <a:xfrm>
+            <a:off x="0" y="1200151"/>
+            <a:ext cx="9144000" cy="3394472"/>
+          </a:xfrm>
+        </p:spPr>
+        <p:txBody>
+          <a:bodyPr>
+            <a:normAutofit/>
+          </a:bodyPr>
+          <a:lstStyle/>
+          <a:p>
+            <a:pPr marL="0" indent="0" algn="ctr">
+              <a:buNone/>
+            </a:pPr>
+            <a:r>
+              <a:rPr lang="zh-CN" altLang="en-US" sz="4800" b="1" dirty="0" smtClean="0">
+                <a:latin typeface="Microsoft JhengHei" pitchFamily="34" charset="-120"/>
+                <a:ea typeface="Microsoft JhengHei" pitchFamily="34" charset="-120"/>
+              </a:rPr>
+              <a:t>第四誡記住要守安息日</a:t>
+            </a:r>
+            <a:endParaRPr lang="en-US" altLang="zh-CN" sz="4800" b="1" dirty="0" smtClean="0">
+              <a:latin typeface="Microsoft JhengHei" pitchFamily="34" charset="-120"/>
+              <a:ea typeface="Microsoft JhengHei" pitchFamily="34" charset="-120"/>
+            </a:endParaRPr>
+          </a:p>
+          <a:p>
+            <a:pPr marL="0" indent="0" algn="ctr">
+              <a:buNone/>
+            </a:pPr>
+            <a:r>
+              <a:rPr lang="zh-CN" altLang="en-US" sz="4800" b="1" dirty="0" smtClean="0">
+                <a:latin typeface="Microsoft JhengHei" pitchFamily="34" charset="-120"/>
+                <a:ea typeface="Microsoft JhengHei" pitchFamily="34" charset="-120"/>
+              </a:rPr>
+              <a:t>還剩下其餘六</a:t>
+            </a:r>
+            <a:r>
+              <a:rPr lang="zh-CN" altLang="en-US" sz="4800" b="1" dirty="0">
+                <a:latin typeface="Microsoft JhengHei" pitchFamily="34" charset="-120"/>
+                <a:ea typeface="Microsoft JhengHei" pitchFamily="34" charset="-120"/>
+              </a:rPr>
+              <a:t>誡</a:t>
+            </a:r>
+            <a:endParaRPr lang="en-US" sz="4800" b="1" dirty="0">
+              <a:latin typeface="Microsoft JhengHei" pitchFamily="34" charset="-120"/>
+              <a:ea typeface="Microsoft JhengHei" pitchFamily="34" charset="-120"/>
+            </a:endParaRPr>
+          </a:p>
+        </p:txBody>
+      </p:sp>
+    </p:spTree>
+    <p:extLst>
+      <p:ext uri="{BB962C8B-B14F-4D97-AF65-F5344CB8AC3E}">
+        <p14:creationId xmlns:p14="http://schemas.microsoft.com/office/powerpoint/2010/main" val="1773839311"/>
+      </p:ext>
+    </p:extLst>
+  </p:cSld>
+  <p:clrMapOvr>
+    <a:masterClrMapping/>
+  </p:clrMapOvr>
+</p:sld>
+</file>
+
+<file path=ppt/slides/slide7.xml><?xml version="1.0" encoding="utf-8"?>
+<p:sld xmlns:a="http://schemas.openxmlformats.org/drawingml/2006/main" xmlns:r="http://schemas.openxmlformats.org/officeDocument/2006/relationships" xmlns:p="http://schemas.openxmlformats.org/presentationml/2006/main">
+  <p:cSld>
+    <p:spTree>
+      <p:nvGrpSpPr>
+        <p:cNvPr id="1" name=""/>
+        <p:cNvGrpSpPr/>
+        <p:nvPr/>
+      </p:nvGrpSpPr>
+      <p:grpSpPr>
+        <a:xfrm>
+          <a:off x="0" y="0"/>
+          <a:ext cx="0" cy="0"/>
+          <a:chOff x="0" y="0"/>
+          <a:chExt cx="0" cy="0"/>
+        </a:xfrm>
+      </p:grpSpPr>
+      <p:sp>
+        <p:nvSpPr>
+          <p:cNvPr id="2" name="Title 1"/>
+          <p:cNvSpPr>
+            <a:spLocks noGrp="1"/>
+          </p:cNvSpPr>
+          <p:nvPr>
+            <p:ph type="title"/>
+          </p:nvPr>
+        </p:nvSpPr>
+        <p:spPr/>
+        <p:txBody>
+          <a:bodyPr/>
+          <a:lstStyle/>
+          <a:p>
+            <a:r>
+              <a:rPr lang="zh-CN" altLang="en-US" b="1" dirty="0" smtClean="0">
+                <a:latin typeface="Microsoft JhengHei" pitchFamily="34" charset="-120"/>
+                <a:ea typeface="Microsoft JhengHei" pitchFamily="34" charset="-120"/>
+              </a:rPr>
+              <a:t>齊來背十誡</a:t>
+            </a:r>
+            <a:endParaRPr lang="en-US" b="1" dirty="0">
+              <a:latin typeface="Microsoft JhengHei" pitchFamily="34" charset="-120"/>
+              <a:ea typeface="Microsoft JhengHei" pitchFamily="34" charset="-120"/>
+            </a:endParaRPr>
+          </a:p>
+        </p:txBody>
+      </p:sp>
+      <p:sp>
+        <p:nvSpPr>
+          <p:cNvPr id="3" name="Content Placeholder 2"/>
+          <p:cNvSpPr>
+            <a:spLocks noGrp="1"/>
+          </p:cNvSpPr>
+          <p:nvPr>
+            <p:ph idx="1"/>
+          </p:nvPr>
+        </p:nvSpPr>
+        <p:spPr>
+          <a:xfrm>
+            <a:off x="0" y="1200151"/>
+            <a:ext cx="9144000" cy="3394472"/>
+          </a:xfrm>
+        </p:spPr>
+        <p:txBody>
+          <a:bodyPr>
+            <a:normAutofit/>
+          </a:bodyPr>
+          <a:lstStyle/>
+          <a:p>
+            <a:pPr marL="0" indent="0" algn="ctr">
+              <a:buNone/>
+            </a:pPr>
+            <a:r>
+              <a:rPr lang="zh-CN" altLang="en-US" sz="4800" b="1" dirty="0" smtClean="0">
+                <a:latin typeface="Microsoft JhengHei" pitchFamily="34" charset="-120"/>
+                <a:ea typeface="Microsoft JhengHei" pitchFamily="34" charset="-120"/>
+              </a:rPr>
+              <a:t>十誡是</a:t>
+            </a:r>
+            <a:r>
+              <a:rPr lang="zh-CN" altLang="en-US" sz="4800" b="1" dirty="0" smtClean="0">
+                <a:latin typeface="Microsoft JhengHei" pitchFamily="34" charset="-120"/>
+                <a:ea typeface="Microsoft JhengHei" pitchFamily="34" charset="-120"/>
+              </a:rPr>
+              <a:t>十誡</a:t>
+            </a:r>
+            <a:r>
+              <a:rPr lang="en-US" altLang="zh-CN" sz="4800" b="1" dirty="0">
+                <a:latin typeface="Microsoft JhengHei" pitchFamily="34" charset="-120"/>
+                <a:ea typeface="Microsoft JhengHei" pitchFamily="34" charset="-120"/>
+              </a:rPr>
+              <a:t> </a:t>
+            </a:r>
+            <a:r>
+              <a:rPr lang="en-US" altLang="zh-CN" sz="4800" b="1" dirty="0" smtClean="0">
+                <a:latin typeface="Microsoft JhengHei" pitchFamily="34" charset="-120"/>
+                <a:ea typeface="Microsoft JhengHei" pitchFamily="34" charset="-120"/>
+              </a:rPr>
+              <a:t>  </a:t>
+            </a:r>
+            <a:r>
+              <a:rPr lang="zh-CN" altLang="en-US" sz="4800" b="1" dirty="0" smtClean="0">
+                <a:latin typeface="Microsoft JhengHei" pitchFamily="34" charset="-120"/>
+                <a:ea typeface="Microsoft JhengHei" pitchFamily="34" charset="-120"/>
+              </a:rPr>
+              <a:t>你</a:t>
+            </a:r>
+            <a:r>
+              <a:rPr lang="zh-CN" altLang="en-US" sz="4800" b="1" dirty="0">
+                <a:latin typeface="Microsoft JhengHei" pitchFamily="34" charset="-120"/>
+                <a:ea typeface="Microsoft JhengHei" pitchFamily="34" charset="-120"/>
+              </a:rPr>
+              <a:t>我也</a:t>
+            </a:r>
+            <a:r>
+              <a:rPr lang="zh-CN" altLang="en-US" sz="4800" b="1" dirty="0" smtClean="0">
+                <a:latin typeface="Microsoft JhengHei" pitchFamily="34" charset="-120"/>
+                <a:ea typeface="Microsoft JhengHei" pitchFamily="34" charset="-120"/>
+              </a:rPr>
+              <a:t>當守</a:t>
+            </a:r>
+            <a:r>
+              <a:rPr lang="zh-CN" altLang="en-US" sz="4800" b="1" dirty="0" smtClean="0">
+                <a:latin typeface="Microsoft JhengHei" pitchFamily="34" charset="-120"/>
+                <a:ea typeface="Microsoft JhengHei" pitchFamily="34" charset="-120"/>
+              </a:rPr>
+              <a:t>十誡</a:t>
+            </a:r>
+            <a:endParaRPr lang="en-US" altLang="zh-CN" sz="4800" b="1" dirty="0" smtClean="0">
+              <a:latin typeface="Microsoft JhengHei" pitchFamily="34" charset="-120"/>
+              <a:ea typeface="Microsoft JhengHei" pitchFamily="34" charset="-120"/>
+            </a:endParaRPr>
+          </a:p>
+          <a:p>
+            <a:pPr marL="0" indent="0" algn="ctr">
+              <a:buNone/>
+            </a:pPr>
+            <a:r>
+              <a:rPr lang="zh-CN" altLang="en-US" sz="4800" b="1" dirty="0" smtClean="0">
+                <a:latin typeface="Microsoft JhengHei" pitchFamily="34" charset="-120"/>
+                <a:ea typeface="Microsoft JhengHei" pitchFamily="34" charset="-120"/>
+              </a:rPr>
+              <a:t>誰快   誰人快</a:t>
+            </a:r>
+            <a:endParaRPr lang="en-US" altLang="zh-CN" sz="4800" b="1" dirty="0" smtClean="0">
+              <a:latin typeface="Microsoft JhengHei" pitchFamily="34" charset="-120"/>
+              <a:ea typeface="Microsoft JhengHei" pitchFamily="34" charset="-120"/>
+            </a:endParaRPr>
+          </a:p>
+          <a:p>
+            <a:pPr marL="0" indent="0" algn="ctr">
+              <a:buNone/>
+            </a:pPr>
+            <a:r>
+              <a:rPr lang="zh-CN" altLang="en-US" sz="4800" b="1" dirty="0">
+                <a:latin typeface="Microsoft JhengHei" pitchFamily="34" charset="-120"/>
+                <a:ea typeface="Microsoft JhengHei" pitchFamily="34" charset="-120"/>
+              </a:rPr>
+              <a:t>誰</a:t>
+            </a:r>
+            <a:r>
+              <a:rPr lang="zh-CN" altLang="en-US" sz="4800" b="1" dirty="0" smtClean="0">
+                <a:latin typeface="Microsoft JhengHei" pitchFamily="34" charset="-120"/>
+                <a:ea typeface="Microsoft JhengHei" pitchFamily="34" charset="-120"/>
+              </a:rPr>
+              <a:t>能夠最背得快</a:t>
+            </a:r>
+            <a:endParaRPr lang="en-US" sz="4800" b="1" dirty="0">
+              <a:latin typeface="Microsoft JhengHei" pitchFamily="34" charset="-120"/>
+              <a:ea typeface="Microsoft JhengHei" pitchFamily="34" charset="-120"/>
+            </a:endParaRPr>
+          </a:p>
+        </p:txBody>
+      </p:sp>
+    </p:spTree>
+    <p:extLst>
+      <p:ext uri="{BB962C8B-B14F-4D97-AF65-F5344CB8AC3E}">
+        <p14:creationId xmlns:p14="http://schemas.microsoft.com/office/powerpoint/2010/main" val="4173146195"/>
+      </p:ext>
+    </p:extLst>
+  </p:cSld>
+  <p:clrMapOvr>
+    <a:masterClrMapping/>
+  </p:clrMapOvr>
+</p:sld>
+</file>
+
+<file path=ppt/slides/slide8.xml><?xml version="1.0" encoding="utf-8"?>
+<p:sld xmlns:a="http://schemas.openxmlformats.org/drawingml/2006/main" xmlns:r="http://schemas.openxmlformats.org/officeDocument/2006/relationships" xmlns:p="http://schemas.openxmlformats.org/presentationml/2006/main">
+  <p:cSld>
+    <p:spTree>
+      <p:nvGrpSpPr>
+        <p:cNvPr id="1" name=""/>
+        <p:cNvGrpSpPr/>
+        <p:nvPr/>
+      </p:nvGrpSpPr>
+      <p:grpSpPr>
+        <a:xfrm>
+          <a:off x="0" y="0"/>
+          <a:ext cx="0" cy="0"/>
+          <a:chOff x="0" y="0"/>
+          <a:chExt cx="0" cy="0"/>
+        </a:xfrm>
+      </p:grpSpPr>
+      <p:sp>
+        <p:nvSpPr>
+          <p:cNvPr id="2" name="Title 1"/>
+          <p:cNvSpPr>
+            <a:spLocks noGrp="1"/>
+          </p:cNvSpPr>
+          <p:nvPr>
+            <p:ph type="title"/>
+          </p:nvPr>
+        </p:nvSpPr>
+        <p:spPr/>
+        <p:txBody>
+          <a:bodyPr/>
+          <a:lstStyle/>
+          <a:p>
+            <a:r>
+              <a:rPr lang="zh-CN" altLang="en-US" b="1" dirty="0" smtClean="0">
+                <a:latin typeface="Microsoft JhengHei" pitchFamily="34" charset="-120"/>
+                <a:ea typeface="Microsoft JhengHei" pitchFamily="34" charset="-120"/>
+              </a:rPr>
+              <a:t>齊來背十誡</a:t>
+            </a:r>
+            <a:endParaRPr lang="en-US" b="1" dirty="0">
+              <a:latin typeface="Microsoft JhengHei" pitchFamily="34" charset="-120"/>
+              <a:ea typeface="Microsoft JhengHei" pitchFamily="34" charset="-120"/>
+            </a:endParaRPr>
+          </a:p>
+        </p:txBody>
+      </p:sp>
+      <p:sp>
+        <p:nvSpPr>
+          <p:cNvPr id="3" name="Content Placeholder 2"/>
+          <p:cNvSpPr>
+            <a:spLocks noGrp="1"/>
+          </p:cNvSpPr>
+          <p:nvPr>
+            <p:ph idx="1"/>
+          </p:nvPr>
+        </p:nvSpPr>
+        <p:spPr>
+          <a:xfrm>
+            <a:off x="0" y="1200151"/>
+            <a:ext cx="9144000" cy="3394472"/>
+          </a:xfrm>
+        </p:spPr>
+        <p:txBody>
+          <a:bodyPr>
+            <a:normAutofit lnSpcReduction="10000"/>
+          </a:bodyPr>
+          <a:lstStyle/>
+          <a:p>
+            <a:pPr marL="0" indent="0" algn="ctr">
+              <a:buNone/>
+            </a:pPr>
+            <a:r>
+              <a:rPr lang="zh-CN" altLang="en-US" sz="4800" b="1" dirty="0">
+                <a:latin typeface="Microsoft JhengHei" pitchFamily="34" charset="-120"/>
+                <a:ea typeface="Microsoft JhengHei" pitchFamily="34" charset="-120"/>
+              </a:rPr>
+              <a:t>你家裡的父</a:t>
+            </a:r>
+            <a:r>
+              <a:rPr lang="zh-CN" altLang="en-US" sz="4800" b="1" dirty="0" smtClean="0">
+                <a:latin typeface="Microsoft JhengHei" pitchFamily="34" charset="-120"/>
+                <a:ea typeface="Microsoft JhengHei" pitchFamily="34" charset="-120"/>
+              </a:rPr>
+              <a:t>母當孝順</a:t>
+            </a:r>
+            <a:endParaRPr lang="en-US" altLang="zh-CN" sz="4800" b="1" dirty="0" smtClean="0">
+              <a:latin typeface="Microsoft JhengHei" pitchFamily="34" charset="-120"/>
+              <a:ea typeface="Microsoft JhengHei" pitchFamily="34" charset="-120"/>
+            </a:endParaRPr>
+          </a:p>
+          <a:p>
+            <a:pPr marL="0" indent="0" algn="ctr">
+              <a:buNone/>
+            </a:pPr>
+            <a:r>
+              <a:rPr lang="zh-CN" altLang="en-US" sz="4800" b="1" dirty="0">
+                <a:latin typeface="Microsoft JhengHei" pitchFamily="34" charset="-120"/>
+                <a:ea typeface="Microsoft JhengHei" pitchFamily="34" charset="-120"/>
+              </a:rPr>
+              <a:t>不殺</a:t>
+            </a:r>
+            <a:r>
+              <a:rPr lang="zh-CN" altLang="en-US" sz="4800" b="1" dirty="0" smtClean="0">
+                <a:latin typeface="Microsoft JhengHei" pitchFamily="34" charset="-120"/>
+                <a:ea typeface="Microsoft JhengHei" pitchFamily="34" charset="-120"/>
+              </a:rPr>
+              <a:t>人不可姦淫</a:t>
+            </a:r>
+            <a:endParaRPr lang="en-US" altLang="zh-CN" sz="4800" b="1" dirty="0" smtClean="0">
+              <a:latin typeface="Microsoft JhengHei" pitchFamily="34" charset="-120"/>
+              <a:ea typeface="Microsoft JhengHei" pitchFamily="34" charset="-120"/>
+            </a:endParaRPr>
+          </a:p>
+          <a:p>
+            <a:pPr marL="0" indent="0" algn="ctr">
+              <a:buNone/>
+            </a:pPr>
+            <a:r>
+              <a:rPr lang="zh-CN" altLang="en-US" sz="4800" b="1" dirty="0">
+                <a:latin typeface="Microsoft JhengHei" pitchFamily="34" charset="-120"/>
+                <a:ea typeface="Microsoft JhengHei" pitchFamily="34" charset="-120"/>
+              </a:rPr>
+              <a:t>還嚴禁偷</a:t>
+            </a:r>
+            <a:r>
+              <a:rPr lang="zh-CN" altLang="en-US" sz="4800" b="1" dirty="0" smtClean="0">
+                <a:latin typeface="Microsoft JhengHei" pitchFamily="34" charset="-120"/>
+                <a:ea typeface="Microsoft JhengHei" pitchFamily="34" charset="-120"/>
+              </a:rPr>
+              <a:t>竊別人的東西</a:t>
+            </a:r>
+            <a:endParaRPr lang="en-US" altLang="zh-CN" sz="4800" b="1" dirty="0" smtClean="0">
+              <a:latin typeface="Microsoft JhengHei" pitchFamily="34" charset="-120"/>
+              <a:ea typeface="Microsoft JhengHei" pitchFamily="34" charset="-120"/>
+            </a:endParaRPr>
+          </a:p>
+          <a:p>
+            <a:pPr marL="0" indent="0" algn="ctr">
+              <a:buNone/>
+            </a:pPr>
+            <a:r>
+              <a:rPr lang="zh-CN" altLang="en-US" sz="4800" b="1" dirty="0">
+                <a:latin typeface="Microsoft JhengHei" pitchFamily="34" charset="-120"/>
+                <a:ea typeface="Microsoft JhengHei" pitchFamily="34" charset="-120"/>
+              </a:rPr>
+              <a:t>更加不應亂作假見証</a:t>
+            </a:r>
+            <a:endParaRPr lang="en-US" sz="4800" b="1" dirty="0">
+              <a:latin typeface="Microsoft JhengHei" pitchFamily="34" charset="-120"/>
+              <a:ea typeface="Microsoft JhengHei" pitchFamily="34" charset="-120"/>
+            </a:endParaRPr>
+          </a:p>
+        </p:txBody>
+      </p:sp>
+    </p:spTree>
+    <p:extLst>
+      <p:ext uri="{BB962C8B-B14F-4D97-AF65-F5344CB8AC3E}">
+        <p14:creationId xmlns:p14="http://schemas.microsoft.com/office/powerpoint/2010/main" val="486525278"/>
+      </p:ext>
+    </p:extLst>
+  </p:cSld>
+  <p:clrMapOvr>
+    <a:masterClrMapping/>
+  </p:clrMapOvr>
+</p:sld>
+</file>
+
+<file path=ppt/slides/slide9.xml><?xml version="1.0" encoding="utf-8"?>
+<p:sld xmlns:a="http://schemas.openxmlformats.org/drawingml/2006/main" xmlns:r="http://schemas.openxmlformats.org/officeDocument/2006/relationships" xmlns:p="http://schemas.openxmlformats.org/presentationml/2006/main">
+  <p:cSld>
+    <p:spTree>
+      <p:nvGrpSpPr>
+        <p:cNvPr id="1" name=""/>
+        <p:cNvGrpSpPr/>
+        <p:nvPr/>
+      </p:nvGrpSpPr>
+      <p:grpSpPr>
+        <a:xfrm>
+          <a:off x="0" y="0"/>
+          <a:ext cx="0" cy="0"/>
+          <a:chOff x="0" y="0"/>
+          <a:chExt cx="0" cy="0"/>
+        </a:xfrm>
+      </p:grpSpPr>
+      <p:sp>
+        <p:nvSpPr>
+          <p:cNvPr id="2" name="Title 1"/>
+          <p:cNvSpPr>
+            <a:spLocks noGrp="1"/>
+          </p:cNvSpPr>
+          <p:nvPr>
+            <p:ph type="title"/>
+          </p:nvPr>
+        </p:nvSpPr>
+        <p:spPr/>
+        <p:txBody>
+          <a:bodyPr/>
+          <a:lstStyle/>
+          <a:p>
+            <a:r>
+              <a:rPr lang="zh-CN" altLang="en-US" b="1" dirty="0" smtClean="0">
+                <a:latin typeface="Microsoft JhengHei" pitchFamily="34" charset="-120"/>
+                <a:ea typeface="Microsoft JhengHei" pitchFamily="34" charset="-120"/>
+              </a:rPr>
+              <a:t>齊來背十誡</a:t>
+            </a:r>
+            <a:endParaRPr lang="en-US" b="1" dirty="0">
+              <a:latin typeface="Microsoft JhengHei" pitchFamily="34" charset="-120"/>
+              <a:ea typeface="Microsoft JhengHei" pitchFamily="34" charset="-120"/>
+            </a:endParaRPr>
+          </a:p>
+        </p:txBody>
+      </p:sp>
+      <p:sp>
+        <p:nvSpPr>
+          <p:cNvPr id="3" name="Content Placeholder 2"/>
+          <p:cNvSpPr>
+            <a:spLocks noGrp="1"/>
+          </p:cNvSpPr>
+          <p:nvPr>
+            <p:ph idx="1"/>
+          </p:nvPr>
+        </p:nvSpPr>
+        <p:spPr>
+          <a:xfrm>
+            <a:off x="0" y="1200151"/>
+            <a:ext cx="9144000" cy="3394472"/>
+          </a:xfrm>
+        </p:spPr>
+        <p:txBody>
+          <a:bodyPr>
+            <a:normAutofit/>
+          </a:bodyPr>
+          <a:lstStyle/>
+          <a:p>
+            <a:pPr marL="0" indent="0" algn="ctr">
+              <a:buNone/>
+            </a:pPr>
+            <a:r>
+              <a:rPr lang="zh-CN" altLang="en-US" sz="4800" b="1" dirty="0" smtClean="0">
+                <a:latin typeface="Microsoft JhengHei" pitchFamily="34" charset="-120"/>
+                <a:ea typeface="Microsoft JhengHei" pitchFamily="34" charset="-120"/>
+              </a:rPr>
+              <a:t>還切記心裡不應起貪念</a:t>
+            </a:r>
+            <a:endParaRPr lang="en-US" altLang="zh-CN" sz="4800" b="1" dirty="0" smtClean="0">
+              <a:latin typeface="Microsoft JhengHei" pitchFamily="34" charset="-120"/>
+              <a:ea typeface="Microsoft JhengHei" pitchFamily="34" charset="-120"/>
+            </a:endParaRPr>
+          </a:p>
+          <a:p>
+            <a:pPr marL="0" indent="0" algn="ctr">
+              <a:buNone/>
+            </a:pPr>
+            <a:r>
+              <a:rPr lang="zh-CN" altLang="en-US" sz="4800" b="1" dirty="0" smtClean="0">
+                <a:latin typeface="Microsoft JhengHei" pitchFamily="34" charset="-120"/>
+                <a:ea typeface="Microsoft JhengHei" pitchFamily="34" charset="-120"/>
+              </a:rPr>
+              <a:t>十誡就這樣背晒</a:t>
+            </a:r>
+            <a:endParaRPr lang="en-US" sz="4800" b="1" dirty="0">
+              <a:latin typeface="Microsoft JhengHei" pitchFamily="34" charset="-120"/>
+              <a:ea typeface="Microsoft JhengHei" pitchFamily="34" charset="-120"/>
+            </a:endParaRPr>
+          </a:p>
+        </p:txBody>
+      </p:sp>
+    </p:spTree>
+    <p:extLst>
+      <p:ext uri="{BB962C8B-B14F-4D97-AF65-F5344CB8AC3E}">
+        <p14:creationId xmlns:p14="http://schemas.microsoft.com/office/powerpoint/2010/main" val="2171381558"/>
+      </p:ext>
+    </p:extLst>
   </p:cSld>
   <p:clrMapOvr>
     <a:masterClrMapping/>

--- a/2019/7月.pptx
+++ b/2019/7月.pptx
@@ -8,12 +8,6 @@
     <p:sldId id="257" r:id="rId2"/>
     <p:sldId id="258" r:id="rId3"/>
     <p:sldId id="259" r:id="rId4"/>
-    <p:sldId id="260" r:id="rId5"/>
-    <p:sldId id="261" r:id="rId6"/>
-    <p:sldId id="262" r:id="rId7"/>
-    <p:sldId id="263" r:id="rId8"/>
-    <p:sldId id="264" r:id="rId9"/>
-    <p:sldId id="265" r:id="rId10"/>
   </p:sldIdLst>
   <p:sldSz cx="9144000" cy="5143500" type="screen16x9"/>
   <p:notesSz cx="6858000" cy="9144000"/>
@@ -3623,961 +3617,6 @@
         </p:txBody>
       </p:sp>
     </p:spTree>
-  </p:cSld>
-  <p:clrMapOvr>
-    <a:masterClrMapping/>
-  </p:clrMapOvr>
-</p:sld>
-</file>
-
-<file path=ppt/slides/slide4.xml><?xml version="1.0" encoding="utf-8"?>
-<p:sld xmlns:a="http://schemas.openxmlformats.org/drawingml/2006/main" xmlns:r="http://schemas.openxmlformats.org/officeDocument/2006/relationships" xmlns:p="http://schemas.openxmlformats.org/presentationml/2006/main">
-  <p:cSld>
-    <p:spTree>
-      <p:nvGrpSpPr>
-        <p:cNvPr id="1" name=""/>
-        <p:cNvGrpSpPr/>
-        <p:nvPr/>
-      </p:nvGrpSpPr>
-      <p:grpSpPr>
-        <a:xfrm>
-          <a:off x="0" y="0"/>
-          <a:ext cx="0" cy="0"/>
-          <a:chOff x="0" y="0"/>
-          <a:chExt cx="0" cy="0"/>
-        </a:xfrm>
-      </p:grpSpPr>
-      <p:sp>
-        <p:nvSpPr>
-          <p:cNvPr id="2" name="Title 1"/>
-          <p:cNvSpPr>
-            <a:spLocks noGrp="1"/>
-          </p:cNvSpPr>
-          <p:nvPr>
-            <p:ph type="title"/>
-          </p:nvPr>
-        </p:nvSpPr>
-        <p:spPr/>
-        <p:txBody>
-          <a:bodyPr/>
-          <a:lstStyle/>
-          <a:p>
-            <a:r>
-              <a:rPr lang="zh-CN" altLang="en-US" b="1" dirty="0" smtClean="0">
-                <a:latin typeface="Microsoft JhengHei" pitchFamily="34" charset="-120"/>
-                <a:ea typeface="Microsoft JhengHei" pitchFamily="34" charset="-120"/>
-              </a:rPr>
-              <a:t>齊來背十誡</a:t>
-            </a:r>
-            <a:endParaRPr lang="en-US" b="1" dirty="0">
-              <a:latin typeface="Microsoft JhengHei" pitchFamily="34" charset="-120"/>
-              <a:ea typeface="Microsoft JhengHei" pitchFamily="34" charset="-120"/>
-            </a:endParaRPr>
-          </a:p>
-        </p:txBody>
-      </p:sp>
-      <p:sp>
-        <p:nvSpPr>
-          <p:cNvPr id="3" name="Content Placeholder 2"/>
-          <p:cNvSpPr>
-            <a:spLocks noGrp="1"/>
-          </p:cNvSpPr>
-          <p:nvPr>
-            <p:ph idx="1"/>
-          </p:nvPr>
-        </p:nvSpPr>
-        <p:spPr>
-          <a:xfrm>
-            <a:off x="0" y="1200151"/>
-            <a:ext cx="9144000" cy="3394472"/>
-          </a:xfrm>
-        </p:spPr>
-        <p:txBody>
-          <a:bodyPr>
-            <a:normAutofit/>
-          </a:bodyPr>
-          <a:lstStyle/>
-          <a:p>
-            <a:pPr marL="0" indent="0" algn="ctr">
-              <a:buNone/>
-            </a:pPr>
-            <a:r>
-              <a:rPr lang="zh-CN" altLang="en-US" sz="4800" b="1" dirty="0" smtClean="0">
-                <a:latin typeface="Microsoft JhengHei" pitchFamily="34" charset="-120"/>
-                <a:ea typeface="Microsoft JhengHei" pitchFamily="34" charset="-120"/>
-              </a:rPr>
-              <a:t>十誡是</a:t>
-            </a:r>
-            <a:r>
-              <a:rPr lang="zh-CN" altLang="en-US" sz="4800" b="1" dirty="0" smtClean="0">
-                <a:latin typeface="Microsoft JhengHei" pitchFamily="34" charset="-120"/>
-                <a:ea typeface="Microsoft JhengHei" pitchFamily="34" charset="-120"/>
-              </a:rPr>
-              <a:t>十誡</a:t>
-            </a:r>
-            <a:r>
-              <a:rPr lang="en-US" altLang="zh-CN" sz="4800" b="1" dirty="0">
-                <a:latin typeface="Microsoft JhengHei" pitchFamily="34" charset="-120"/>
-                <a:ea typeface="Microsoft JhengHei" pitchFamily="34" charset="-120"/>
-              </a:rPr>
-              <a:t> </a:t>
-            </a:r>
-            <a:r>
-              <a:rPr lang="en-US" altLang="zh-CN" sz="4800" b="1" dirty="0" smtClean="0">
-                <a:latin typeface="Microsoft JhengHei" pitchFamily="34" charset="-120"/>
-                <a:ea typeface="Microsoft JhengHei" pitchFamily="34" charset="-120"/>
-              </a:rPr>
-              <a:t>  </a:t>
-            </a:r>
-            <a:r>
-              <a:rPr lang="zh-CN" altLang="en-US" sz="4800" b="1" dirty="0" smtClean="0">
-                <a:latin typeface="Microsoft JhengHei" pitchFamily="34" charset="-120"/>
-                <a:ea typeface="Microsoft JhengHei" pitchFamily="34" charset="-120"/>
-              </a:rPr>
-              <a:t>你</a:t>
-            </a:r>
-            <a:r>
-              <a:rPr lang="zh-CN" altLang="en-US" sz="4800" b="1" dirty="0">
-                <a:latin typeface="Microsoft JhengHei" pitchFamily="34" charset="-120"/>
-                <a:ea typeface="Microsoft JhengHei" pitchFamily="34" charset="-120"/>
-              </a:rPr>
-              <a:t>我也</a:t>
-            </a:r>
-            <a:r>
-              <a:rPr lang="zh-CN" altLang="en-US" sz="4800" b="1" dirty="0" smtClean="0">
-                <a:latin typeface="Microsoft JhengHei" pitchFamily="34" charset="-120"/>
-                <a:ea typeface="Microsoft JhengHei" pitchFamily="34" charset="-120"/>
-              </a:rPr>
-              <a:t>當守</a:t>
-            </a:r>
-            <a:r>
-              <a:rPr lang="zh-CN" altLang="en-US" sz="4800" b="1" dirty="0" smtClean="0">
-                <a:latin typeface="Microsoft JhengHei" pitchFamily="34" charset="-120"/>
-                <a:ea typeface="Microsoft JhengHei" pitchFamily="34" charset="-120"/>
-              </a:rPr>
-              <a:t>十誡</a:t>
-            </a:r>
-            <a:endParaRPr lang="en-US" altLang="zh-CN" sz="4800" b="1" dirty="0" smtClean="0">
-              <a:latin typeface="Microsoft JhengHei" pitchFamily="34" charset="-120"/>
-              <a:ea typeface="Microsoft JhengHei" pitchFamily="34" charset="-120"/>
-            </a:endParaRPr>
-          </a:p>
-          <a:p>
-            <a:pPr marL="0" indent="0" algn="ctr">
-              <a:buNone/>
-            </a:pPr>
-            <a:r>
-              <a:rPr lang="zh-CN" altLang="en-US" sz="4800" b="1" dirty="0" smtClean="0">
-                <a:latin typeface="Microsoft JhengHei" pitchFamily="34" charset="-120"/>
-                <a:ea typeface="Microsoft JhengHei" pitchFamily="34" charset="-120"/>
-              </a:rPr>
-              <a:t>誰快   誰人快</a:t>
-            </a:r>
-            <a:endParaRPr lang="en-US" altLang="zh-CN" sz="4800" b="1" dirty="0" smtClean="0">
-              <a:latin typeface="Microsoft JhengHei" pitchFamily="34" charset="-120"/>
-              <a:ea typeface="Microsoft JhengHei" pitchFamily="34" charset="-120"/>
-            </a:endParaRPr>
-          </a:p>
-          <a:p>
-            <a:pPr marL="0" indent="0" algn="ctr">
-              <a:buNone/>
-            </a:pPr>
-            <a:r>
-              <a:rPr lang="zh-CN" altLang="en-US" sz="4800" b="1" dirty="0">
-                <a:latin typeface="Microsoft JhengHei" pitchFamily="34" charset="-120"/>
-                <a:ea typeface="Microsoft JhengHei" pitchFamily="34" charset="-120"/>
-              </a:rPr>
-              <a:t>誰</a:t>
-            </a:r>
-            <a:r>
-              <a:rPr lang="zh-CN" altLang="en-US" sz="4800" b="1" dirty="0" smtClean="0">
-                <a:latin typeface="Microsoft JhengHei" pitchFamily="34" charset="-120"/>
-                <a:ea typeface="Microsoft JhengHei" pitchFamily="34" charset="-120"/>
-              </a:rPr>
-              <a:t>能夠最背得快</a:t>
-            </a:r>
-            <a:endParaRPr lang="en-US" sz="4800" b="1" dirty="0">
-              <a:latin typeface="Microsoft JhengHei" pitchFamily="34" charset="-120"/>
-              <a:ea typeface="Microsoft JhengHei" pitchFamily="34" charset="-120"/>
-            </a:endParaRPr>
-          </a:p>
-        </p:txBody>
-      </p:sp>
-    </p:spTree>
-    <p:extLst>
-      <p:ext uri="{BB962C8B-B14F-4D97-AF65-F5344CB8AC3E}">
-        <p14:creationId xmlns:p14="http://schemas.microsoft.com/office/powerpoint/2010/main" val="42310119"/>
-      </p:ext>
-    </p:extLst>
-  </p:cSld>
-  <p:clrMapOvr>
-    <a:masterClrMapping/>
-  </p:clrMapOvr>
-</p:sld>
-</file>
-
-<file path=ppt/slides/slide5.xml><?xml version="1.0" encoding="utf-8"?>
-<p:sld xmlns:a="http://schemas.openxmlformats.org/drawingml/2006/main" xmlns:r="http://schemas.openxmlformats.org/officeDocument/2006/relationships" xmlns:p="http://schemas.openxmlformats.org/presentationml/2006/main">
-  <p:cSld>
-    <p:spTree>
-      <p:nvGrpSpPr>
-        <p:cNvPr id="1" name=""/>
-        <p:cNvGrpSpPr/>
-        <p:nvPr/>
-      </p:nvGrpSpPr>
-      <p:grpSpPr>
-        <a:xfrm>
-          <a:off x="0" y="0"/>
-          <a:ext cx="0" cy="0"/>
-          <a:chOff x="0" y="0"/>
-          <a:chExt cx="0" cy="0"/>
-        </a:xfrm>
-      </p:grpSpPr>
-      <p:sp>
-        <p:nvSpPr>
-          <p:cNvPr id="2" name="Title 1"/>
-          <p:cNvSpPr>
-            <a:spLocks noGrp="1"/>
-          </p:cNvSpPr>
-          <p:nvPr>
-            <p:ph type="title"/>
-          </p:nvPr>
-        </p:nvSpPr>
-        <p:spPr/>
-        <p:txBody>
-          <a:bodyPr/>
-          <a:lstStyle/>
-          <a:p>
-            <a:r>
-              <a:rPr lang="zh-CN" altLang="en-US" b="1" dirty="0" smtClean="0">
-                <a:latin typeface="Microsoft JhengHei" pitchFamily="34" charset="-120"/>
-                <a:ea typeface="Microsoft JhengHei" pitchFamily="34" charset="-120"/>
-              </a:rPr>
-              <a:t>齊來背十誡</a:t>
-            </a:r>
-            <a:endParaRPr lang="en-US" b="1" dirty="0">
-              <a:latin typeface="Microsoft JhengHei" pitchFamily="34" charset="-120"/>
-              <a:ea typeface="Microsoft JhengHei" pitchFamily="34" charset="-120"/>
-            </a:endParaRPr>
-          </a:p>
-        </p:txBody>
-      </p:sp>
-      <p:sp>
-        <p:nvSpPr>
-          <p:cNvPr id="3" name="Content Placeholder 2"/>
-          <p:cNvSpPr>
-            <a:spLocks noGrp="1"/>
-          </p:cNvSpPr>
-          <p:nvPr>
-            <p:ph idx="1"/>
-          </p:nvPr>
-        </p:nvSpPr>
-        <p:spPr>
-          <a:xfrm>
-            <a:off x="0" y="1200151"/>
-            <a:ext cx="9144000" cy="3394472"/>
-          </a:xfrm>
-        </p:spPr>
-        <p:txBody>
-          <a:bodyPr>
-            <a:normAutofit lnSpcReduction="10000"/>
-          </a:bodyPr>
-          <a:lstStyle/>
-          <a:p>
-            <a:pPr marL="0" indent="0" algn="ctr">
-              <a:buNone/>
-            </a:pPr>
-            <a:r>
-              <a:rPr lang="zh-CN" altLang="en-US" sz="4800" b="1" dirty="0">
-                <a:latin typeface="Microsoft JhengHei" pitchFamily="34" charset="-120"/>
-                <a:ea typeface="Microsoft JhengHei" pitchFamily="34" charset="-120"/>
-              </a:rPr>
-              <a:t>第一</a:t>
-            </a:r>
-            <a:r>
-              <a:rPr lang="zh-CN" altLang="en-US" sz="4800" b="1" dirty="0" smtClean="0">
-                <a:latin typeface="Microsoft JhengHei" pitchFamily="34" charset="-120"/>
-                <a:ea typeface="Microsoft JhengHei" pitchFamily="34" charset="-120"/>
-              </a:rPr>
-              <a:t>誡主說除了我以外</a:t>
-            </a:r>
-            <a:endParaRPr lang="en-US" altLang="zh-CN" sz="4800" b="1" dirty="0" smtClean="0">
-              <a:latin typeface="Microsoft JhengHei" pitchFamily="34" charset="-120"/>
-              <a:ea typeface="Microsoft JhengHei" pitchFamily="34" charset="-120"/>
-            </a:endParaRPr>
-          </a:p>
-          <a:p>
-            <a:pPr marL="0" indent="0" algn="ctr">
-              <a:buNone/>
-            </a:pPr>
-            <a:r>
-              <a:rPr lang="zh-CN" altLang="en-US" sz="4800" b="1" dirty="0">
-                <a:latin typeface="Microsoft JhengHei" pitchFamily="34" charset="-120"/>
-                <a:ea typeface="Microsoft JhengHei" pitchFamily="34" charset="-120"/>
-              </a:rPr>
-              <a:t>不</a:t>
-            </a:r>
-            <a:r>
-              <a:rPr lang="zh-CN" altLang="en-US" sz="4800" b="1" dirty="0" smtClean="0">
-                <a:latin typeface="Microsoft JhengHei" pitchFamily="34" charset="-120"/>
-                <a:ea typeface="Microsoft JhengHei" pitchFamily="34" charset="-120"/>
-              </a:rPr>
-              <a:t>可敬拜別的神</a:t>
-            </a:r>
-            <a:endParaRPr lang="en-US" altLang="zh-CN" sz="4800" b="1" dirty="0" smtClean="0">
-              <a:latin typeface="Microsoft JhengHei" pitchFamily="34" charset="-120"/>
-              <a:ea typeface="Microsoft JhengHei" pitchFamily="34" charset="-120"/>
-            </a:endParaRPr>
-          </a:p>
-          <a:p>
-            <a:pPr marL="0" indent="0" algn="ctr">
-              <a:buNone/>
-            </a:pPr>
-            <a:r>
-              <a:rPr lang="zh-CN" altLang="en-US" sz="4800" b="1" dirty="0">
-                <a:latin typeface="Microsoft JhengHei" pitchFamily="34" charset="-120"/>
-                <a:ea typeface="Microsoft JhengHei" pitchFamily="34" charset="-120"/>
-              </a:rPr>
-              <a:t>第</a:t>
-            </a:r>
-            <a:r>
-              <a:rPr lang="zh-CN" altLang="en-US" sz="4800" b="1" dirty="0" smtClean="0">
-                <a:latin typeface="Microsoft JhengHei" pitchFamily="34" charset="-120"/>
-                <a:ea typeface="Microsoft JhengHei" pitchFamily="34" charset="-120"/>
-              </a:rPr>
-              <a:t>二誡</a:t>
-            </a:r>
-            <a:r>
-              <a:rPr lang="zh-CN" altLang="en-US" sz="4800" b="1" dirty="0">
-                <a:latin typeface="Microsoft JhengHei" pitchFamily="34" charset="-120"/>
-                <a:ea typeface="Microsoft JhengHei" pitchFamily="34" charset="-120"/>
-              </a:rPr>
-              <a:t>不可敬</a:t>
-            </a:r>
-            <a:r>
-              <a:rPr lang="zh-CN" altLang="en-US" sz="4800" b="1" dirty="0" smtClean="0">
-                <a:latin typeface="Microsoft JhengHei" pitchFamily="34" charset="-120"/>
-                <a:ea typeface="Microsoft JhengHei" pitchFamily="34" charset="-120"/>
-              </a:rPr>
-              <a:t>拜偶像</a:t>
-            </a:r>
-            <a:endParaRPr lang="en-US" altLang="zh-CN" sz="4800" b="1" dirty="0" smtClean="0">
-              <a:latin typeface="Microsoft JhengHei" pitchFamily="34" charset="-120"/>
-              <a:ea typeface="Microsoft JhengHei" pitchFamily="34" charset="-120"/>
-            </a:endParaRPr>
-          </a:p>
-          <a:p>
-            <a:pPr marL="0" indent="0" algn="ctr">
-              <a:buNone/>
-            </a:pPr>
-            <a:r>
-              <a:rPr lang="zh-CN" altLang="en-US" sz="4800" b="1" dirty="0" smtClean="0">
-                <a:latin typeface="Microsoft JhengHei" pitchFamily="34" charset="-120"/>
-                <a:ea typeface="Microsoft JhengHei" pitchFamily="34" charset="-120"/>
-              </a:rPr>
-              <a:t>第三誡不可妄稱主名</a:t>
-            </a:r>
-            <a:endParaRPr lang="en-US" sz="4800" b="1" dirty="0">
-              <a:latin typeface="Microsoft JhengHei" pitchFamily="34" charset="-120"/>
-              <a:ea typeface="Microsoft JhengHei" pitchFamily="34" charset="-120"/>
-            </a:endParaRPr>
-          </a:p>
-        </p:txBody>
-      </p:sp>
-    </p:spTree>
-    <p:extLst>
-      <p:ext uri="{BB962C8B-B14F-4D97-AF65-F5344CB8AC3E}">
-        <p14:creationId xmlns:p14="http://schemas.microsoft.com/office/powerpoint/2010/main" val="1114038729"/>
-      </p:ext>
-    </p:extLst>
-  </p:cSld>
-  <p:clrMapOvr>
-    <a:masterClrMapping/>
-  </p:clrMapOvr>
-</p:sld>
-</file>
-
-<file path=ppt/slides/slide6.xml><?xml version="1.0" encoding="utf-8"?>
-<p:sld xmlns:a="http://schemas.openxmlformats.org/drawingml/2006/main" xmlns:r="http://schemas.openxmlformats.org/officeDocument/2006/relationships" xmlns:p="http://schemas.openxmlformats.org/presentationml/2006/main">
-  <p:cSld>
-    <p:spTree>
-      <p:nvGrpSpPr>
-        <p:cNvPr id="1" name=""/>
-        <p:cNvGrpSpPr/>
-        <p:nvPr/>
-      </p:nvGrpSpPr>
-      <p:grpSpPr>
-        <a:xfrm>
-          <a:off x="0" y="0"/>
-          <a:ext cx="0" cy="0"/>
-          <a:chOff x="0" y="0"/>
-          <a:chExt cx="0" cy="0"/>
-        </a:xfrm>
-      </p:grpSpPr>
-      <p:sp>
-        <p:nvSpPr>
-          <p:cNvPr id="2" name="Title 1"/>
-          <p:cNvSpPr>
-            <a:spLocks noGrp="1"/>
-          </p:cNvSpPr>
-          <p:nvPr>
-            <p:ph type="title"/>
-          </p:nvPr>
-        </p:nvSpPr>
-        <p:spPr/>
-        <p:txBody>
-          <a:bodyPr/>
-          <a:lstStyle/>
-          <a:p>
-            <a:r>
-              <a:rPr lang="zh-CN" altLang="en-US" b="1" dirty="0" smtClean="0">
-                <a:latin typeface="Microsoft JhengHei" pitchFamily="34" charset="-120"/>
-                <a:ea typeface="Microsoft JhengHei" pitchFamily="34" charset="-120"/>
-              </a:rPr>
-              <a:t>齊來背十誡</a:t>
-            </a:r>
-            <a:endParaRPr lang="en-US" b="1" dirty="0">
-              <a:latin typeface="Microsoft JhengHei" pitchFamily="34" charset="-120"/>
-              <a:ea typeface="Microsoft JhengHei" pitchFamily="34" charset="-120"/>
-            </a:endParaRPr>
-          </a:p>
-        </p:txBody>
-      </p:sp>
-      <p:sp>
-        <p:nvSpPr>
-          <p:cNvPr id="3" name="Content Placeholder 2"/>
-          <p:cNvSpPr>
-            <a:spLocks noGrp="1"/>
-          </p:cNvSpPr>
-          <p:nvPr>
-            <p:ph idx="1"/>
-          </p:nvPr>
-        </p:nvSpPr>
-        <p:spPr>
-          <a:xfrm>
-            <a:off x="0" y="1200151"/>
-            <a:ext cx="9144000" cy="3394472"/>
-          </a:xfrm>
-        </p:spPr>
-        <p:txBody>
-          <a:bodyPr>
-            <a:normAutofit/>
-          </a:bodyPr>
-          <a:lstStyle/>
-          <a:p>
-            <a:pPr marL="0" indent="0" algn="ctr">
-              <a:buNone/>
-            </a:pPr>
-            <a:r>
-              <a:rPr lang="zh-CN" altLang="en-US" sz="4800" b="1" dirty="0" smtClean="0">
-                <a:latin typeface="Microsoft JhengHei" pitchFamily="34" charset="-120"/>
-                <a:ea typeface="Microsoft JhengHei" pitchFamily="34" charset="-120"/>
-              </a:rPr>
-              <a:t>第四誡記住要守安息日</a:t>
-            </a:r>
-            <a:endParaRPr lang="en-US" altLang="zh-CN" sz="4800" b="1" dirty="0" smtClean="0">
-              <a:latin typeface="Microsoft JhengHei" pitchFamily="34" charset="-120"/>
-              <a:ea typeface="Microsoft JhengHei" pitchFamily="34" charset="-120"/>
-            </a:endParaRPr>
-          </a:p>
-          <a:p>
-            <a:pPr marL="0" indent="0" algn="ctr">
-              <a:buNone/>
-            </a:pPr>
-            <a:r>
-              <a:rPr lang="zh-CN" altLang="en-US" sz="4800" b="1" dirty="0" smtClean="0">
-                <a:latin typeface="Microsoft JhengHei" pitchFamily="34" charset="-120"/>
-                <a:ea typeface="Microsoft JhengHei" pitchFamily="34" charset="-120"/>
-              </a:rPr>
-              <a:t>還剩下其餘六</a:t>
-            </a:r>
-            <a:r>
-              <a:rPr lang="zh-CN" altLang="en-US" sz="4800" b="1" dirty="0">
-                <a:latin typeface="Microsoft JhengHei" pitchFamily="34" charset="-120"/>
-                <a:ea typeface="Microsoft JhengHei" pitchFamily="34" charset="-120"/>
-              </a:rPr>
-              <a:t>誡</a:t>
-            </a:r>
-            <a:endParaRPr lang="en-US" sz="4800" b="1" dirty="0">
-              <a:latin typeface="Microsoft JhengHei" pitchFamily="34" charset="-120"/>
-              <a:ea typeface="Microsoft JhengHei" pitchFamily="34" charset="-120"/>
-            </a:endParaRPr>
-          </a:p>
-        </p:txBody>
-      </p:sp>
-    </p:spTree>
-    <p:extLst>
-      <p:ext uri="{BB962C8B-B14F-4D97-AF65-F5344CB8AC3E}">
-        <p14:creationId xmlns:p14="http://schemas.microsoft.com/office/powerpoint/2010/main" val="1773839311"/>
-      </p:ext>
-    </p:extLst>
-  </p:cSld>
-  <p:clrMapOvr>
-    <a:masterClrMapping/>
-  </p:clrMapOvr>
-</p:sld>
-</file>
-
-<file path=ppt/slides/slide7.xml><?xml version="1.0" encoding="utf-8"?>
-<p:sld xmlns:a="http://schemas.openxmlformats.org/drawingml/2006/main" xmlns:r="http://schemas.openxmlformats.org/officeDocument/2006/relationships" xmlns:p="http://schemas.openxmlformats.org/presentationml/2006/main">
-  <p:cSld>
-    <p:spTree>
-      <p:nvGrpSpPr>
-        <p:cNvPr id="1" name=""/>
-        <p:cNvGrpSpPr/>
-        <p:nvPr/>
-      </p:nvGrpSpPr>
-      <p:grpSpPr>
-        <a:xfrm>
-          <a:off x="0" y="0"/>
-          <a:ext cx="0" cy="0"/>
-          <a:chOff x="0" y="0"/>
-          <a:chExt cx="0" cy="0"/>
-        </a:xfrm>
-      </p:grpSpPr>
-      <p:sp>
-        <p:nvSpPr>
-          <p:cNvPr id="2" name="Title 1"/>
-          <p:cNvSpPr>
-            <a:spLocks noGrp="1"/>
-          </p:cNvSpPr>
-          <p:nvPr>
-            <p:ph type="title"/>
-          </p:nvPr>
-        </p:nvSpPr>
-        <p:spPr/>
-        <p:txBody>
-          <a:bodyPr/>
-          <a:lstStyle/>
-          <a:p>
-            <a:r>
-              <a:rPr lang="zh-CN" altLang="en-US" b="1" dirty="0" smtClean="0">
-                <a:latin typeface="Microsoft JhengHei" pitchFamily="34" charset="-120"/>
-                <a:ea typeface="Microsoft JhengHei" pitchFamily="34" charset="-120"/>
-              </a:rPr>
-              <a:t>齊來背十誡</a:t>
-            </a:r>
-            <a:endParaRPr lang="en-US" b="1" dirty="0">
-              <a:latin typeface="Microsoft JhengHei" pitchFamily="34" charset="-120"/>
-              <a:ea typeface="Microsoft JhengHei" pitchFamily="34" charset="-120"/>
-            </a:endParaRPr>
-          </a:p>
-        </p:txBody>
-      </p:sp>
-      <p:sp>
-        <p:nvSpPr>
-          <p:cNvPr id="3" name="Content Placeholder 2"/>
-          <p:cNvSpPr>
-            <a:spLocks noGrp="1"/>
-          </p:cNvSpPr>
-          <p:nvPr>
-            <p:ph idx="1"/>
-          </p:nvPr>
-        </p:nvSpPr>
-        <p:spPr>
-          <a:xfrm>
-            <a:off x="0" y="1200151"/>
-            <a:ext cx="9144000" cy="3394472"/>
-          </a:xfrm>
-        </p:spPr>
-        <p:txBody>
-          <a:bodyPr>
-            <a:normAutofit/>
-          </a:bodyPr>
-          <a:lstStyle/>
-          <a:p>
-            <a:pPr marL="0" indent="0" algn="ctr">
-              <a:buNone/>
-            </a:pPr>
-            <a:r>
-              <a:rPr lang="zh-CN" altLang="en-US" sz="4800" b="1" dirty="0" smtClean="0">
-                <a:latin typeface="Microsoft JhengHei" pitchFamily="34" charset="-120"/>
-                <a:ea typeface="Microsoft JhengHei" pitchFamily="34" charset="-120"/>
-              </a:rPr>
-              <a:t>十誡是</a:t>
-            </a:r>
-            <a:r>
-              <a:rPr lang="zh-CN" altLang="en-US" sz="4800" b="1" dirty="0" smtClean="0">
-                <a:latin typeface="Microsoft JhengHei" pitchFamily="34" charset="-120"/>
-                <a:ea typeface="Microsoft JhengHei" pitchFamily="34" charset="-120"/>
-              </a:rPr>
-              <a:t>十誡</a:t>
-            </a:r>
-            <a:r>
-              <a:rPr lang="en-US" altLang="zh-CN" sz="4800" b="1" dirty="0">
-                <a:latin typeface="Microsoft JhengHei" pitchFamily="34" charset="-120"/>
-                <a:ea typeface="Microsoft JhengHei" pitchFamily="34" charset="-120"/>
-              </a:rPr>
-              <a:t> </a:t>
-            </a:r>
-            <a:r>
-              <a:rPr lang="en-US" altLang="zh-CN" sz="4800" b="1" dirty="0" smtClean="0">
-                <a:latin typeface="Microsoft JhengHei" pitchFamily="34" charset="-120"/>
-                <a:ea typeface="Microsoft JhengHei" pitchFamily="34" charset="-120"/>
-              </a:rPr>
-              <a:t>  </a:t>
-            </a:r>
-            <a:r>
-              <a:rPr lang="zh-CN" altLang="en-US" sz="4800" b="1" dirty="0" smtClean="0">
-                <a:latin typeface="Microsoft JhengHei" pitchFamily="34" charset="-120"/>
-                <a:ea typeface="Microsoft JhengHei" pitchFamily="34" charset="-120"/>
-              </a:rPr>
-              <a:t>你</a:t>
-            </a:r>
-            <a:r>
-              <a:rPr lang="zh-CN" altLang="en-US" sz="4800" b="1" dirty="0">
-                <a:latin typeface="Microsoft JhengHei" pitchFamily="34" charset="-120"/>
-                <a:ea typeface="Microsoft JhengHei" pitchFamily="34" charset="-120"/>
-              </a:rPr>
-              <a:t>我也</a:t>
-            </a:r>
-            <a:r>
-              <a:rPr lang="zh-CN" altLang="en-US" sz="4800" b="1" dirty="0" smtClean="0">
-                <a:latin typeface="Microsoft JhengHei" pitchFamily="34" charset="-120"/>
-                <a:ea typeface="Microsoft JhengHei" pitchFamily="34" charset="-120"/>
-              </a:rPr>
-              <a:t>當守</a:t>
-            </a:r>
-            <a:r>
-              <a:rPr lang="zh-CN" altLang="en-US" sz="4800" b="1" dirty="0" smtClean="0">
-                <a:latin typeface="Microsoft JhengHei" pitchFamily="34" charset="-120"/>
-                <a:ea typeface="Microsoft JhengHei" pitchFamily="34" charset="-120"/>
-              </a:rPr>
-              <a:t>十誡</a:t>
-            </a:r>
-            <a:endParaRPr lang="en-US" altLang="zh-CN" sz="4800" b="1" dirty="0" smtClean="0">
-              <a:latin typeface="Microsoft JhengHei" pitchFamily="34" charset="-120"/>
-              <a:ea typeface="Microsoft JhengHei" pitchFamily="34" charset="-120"/>
-            </a:endParaRPr>
-          </a:p>
-          <a:p>
-            <a:pPr marL="0" indent="0" algn="ctr">
-              <a:buNone/>
-            </a:pPr>
-            <a:r>
-              <a:rPr lang="zh-CN" altLang="en-US" sz="4800" b="1" dirty="0" smtClean="0">
-                <a:latin typeface="Microsoft JhengHei" pitchFamily="34" charset="-120"/>
-                <a:ea typeface="Microsoft JhengHei" pitchFamily="34" charset="-120"/>
-              </a:rPr>
-              <a:t>誰快   誰人快</a:t>
-            </a:r>
-            <a:endParaRPr lang="en-US" altLang="zh-CN" sz="4800" b="1" dirty="0" smtClean="0">
-              <a:latin typeface="Microsoft JhengHei" pitchFamily="34" charset="-120"/>
-              <a:ea typeface="Microsoft JhengHei" pitchFamily="34" charset="-120"/>
-            </a:endParaRPr>
-          </a:p>
-          <a:p>
-            <a:pPr marL="0" indent="0" algn="ctr">
-              <a:buNone/>
-            </a:pPr>
-            <a:r>
-              <a:rPr lang="zh-CN" altLang="en-US" sz="4800" b="1" dirty="0">
-                <a:latin typeface="Microsoft JhengHei" pitchFamily="34" charset="-120"/>
-                <a:ea typeface="Microsoft JhengHei" pitchFamily="34" charset="-120"/>
-              </a:rPr>
-              <a:t>誰</a:t>
-            </a:r>
-            <a:r>
-              <a:rPr lang="zh-CN" altLang="en-US" sz="4800" b="1" dirty="0" smtClean="0">
-                <a:latin typeface="Microsoft JhengHei" pitchFamily="34" charset="-120"/>
-                <a:ea typeface="Microsoft JhengHei" pitchFamily="34" charset="-120"/>
-              </a:rPr>
-              <a:t>能夠最背得快</a:t>
-            </a:r>
-            <a:endParaRPr lang="en-US" sz="4800" b="1" dirty="0">
-              <a:latin typeface="Microsoft JhengHei" pitchFamily="34" charset="-120"/>
-              <a:ea typeface="Microsoft JhengHei" pitchFamily="34" charset="-120"/>
-            </a:endParaRPr>
-          </a:p>
-        </p:txBody>
-      </p:sp>
-    </p:spTree>
-    <p:extLst>
-      <p:ext uri="{BB962C8B-B14F-4D97-AF65-F5344CB8AC3E}">
-        <p14:creationId xmlns:p14="http://schemas.microsoft.com/office/powerpoint/2010/main" val="4173146195"/>
-      </p:ext>
-    </p:extLst>
-  </p:cSld>
-  <p:clrMapOvr>
-    <a:masterClrMapping/>
-  </p:clrMapOvr>
-</p:sld>
-</file>
-
-<file path=ppt/slides/slide8.xml><?xml version="1.0" encoding="utf-8"?>
-<p:sld xmlns:a="http://schemas.openxmlformats.org/drawingml/2006/main" xmlns:r="http://schemas.openxmlformats.org/officeDocument/2006/relationships" xmlns:p="http://schemas.openxmlformats.org/presentationml/2006/main">
-  <p:cSld>
-    <p:spTree>
-      <p:nvGrpSpPr>
-        <p:cNvPr id="1" name=""/>
-        <p:cNvGrpSpPr/>
-        <p:nvPr/>
-      </p:nvGrpSpPr>
-      <p:grpSpPr>
-        <a:xfrm>
-          <a:off x="0" y="0"/>
-          <a:ext cx="0" cy="0"/>
-          <a:chOff x="0" y="0"/>
-          <a:chExt cx="0" cy="0"/>
-        </a:xfrm>
-      </p:grpSpPr>
-      <p:sp>
-        <p:nvSpPr>
-          <p:cNvPr id="2" name="Title 1"/>
-          <p:cNvSpPr>
-            <a:spLocks noGrp="1"/>
-          </p:cNvSpPr>
-          <p:nvPr>
-            <p:ph type="title"/>
-          </p:nvPr>
-        </p:nvSpPr>
-        <p:spPr/>
-        <p:txBody>
-          <a:bodyPr/>
-          <a:lstStyle/>
-          <a:p>
-            <a:r>
-              <a:rPr lang="zh-CN" altLang="en-US" b="1" dirty="0" smtClean="0">
-                <a:latin typeface="Microsoft JhengHei" pitchFamily="34" charset="-120"/>
-                <a:ea typeface="Microsoft JhengHei" pitchFamily="34" charset="-120"/>
-              </a:rPr>
-              <a:t>齊來背十誡</a:t>
-            </a:r>
-            <a:endParaRPr lang="en-US" b="1" dirty="0">
-              <a:latin typeface="Microsoft JhengHei" pitchFamily="34" charset="-120"/>
-              <a:ea typeface="Microsoft JhengHei" pitchFamily="34" charset="-120"/>
-            </a:endParaRPr>
-          </a:p>
-        </p:txBody>
-      </p:sp>
-      <p:sp>
-        <p:nvSpPr>
-          <p:cNvPr id="3" name="Content Placeholder 2"/>
-          <p:cNvSpPr>
-            <a:spLocks noGrp="1"/>
-          </p:cNvSpPr>
-          <p:nvPr>
-            <p:ph idx="1"/>
-          </p:nvPr>
-        </p:nvSpPr>
-        <p:spPr>
-          <a:xfrm>
-            <a:off x="0" y="1200151"/>
-            <a:ext cx="9144000" cy="3394472"/>
-          </a:xfrm>
-        </p:spPr>
-        <p:txBody>
-          <a:bodyPr>
-            <a:normAutofit lnSpcReduction="10000"/>
-          </a:bodyPr>
-          <a:lstStyle/>
-          <a:p>
-            <a:pPr marL="0" indent="0" algn="ctr">
-              <a:buNone/>
-            </a:pPr>
-            <a:r>
-              <a:rPr lang="zh-CN" altLang="en-US" sz="4800" b="1" dirty="0">
-                <a:latin typeface="Microsoft JhengHei" pitchFamily="34" charset="-120"/>
-                <a:ea typeface="Microsoft JhengHei" pitchFamily="34" charset="-120"/>
-              </a:rPr>
-              <a:t>你家裡的父</a:t>
-            </a:r>
-            <a:r>
-              <a:rPr lang="zh-CN" altLang="en-US" sz="4800" b="1" dirty="0" smtClean="0">
-                <a:latin typeface="Microsoft JhengHei" pitchFamily="34" charset="-120"/>
-                <a:ea typeface="Microsoft JhengHei" pitchFamily="34" charset="-120"/>
-              </a:rPr>
-              <a:t>母當孝順</a:t>
-            </a:r>
-            <a:endParaRPr lang="en-US" altLang="zh-CN" sz="4800" b="1" dirty="0" smtClean="0">
-              <a:latin typeface="Microsoft JhengHei" pitchFamily="34" charset="-120"/>
-              <a:ea typeface="Microsoft JhengHei" pitchFamily="34" charset="-120"/>
-            </a:endParaRPr>
-          </a:p>
-          <a:p>
-            <a:pPr marL="0" indent="0" algn="ctr">
-              <a:buNone/>
-            </a:pPr>
-            <a:r>
-              <a:rPr lang="zh-CN" altLang="en-US" sz="4800" b="1" dirty="0">
-                <a:latin typeface="Microsoft JhengHei" pitchFamily="34" charset="-120"/>
-                <a:ea typeface="Microsoft JhengHei" pitchFamily="34" charset="-120"/>
-              </a:rPr>
-              <a:t>不殺</a:t>
-            </a:r>
-            <a:r>
-              <a:rPr lang="zh-CN" altLang="en-US" sz="4800" b="1" dirty="0" smtClean="0">
-                <a:latin typeface="Microsoft JhengHei" pitchFamily="34" charset="-120"/>
-                <a:ea typeface="Microsoft JhengHei" pitchFamily="34" charset="-120"/>
-              </a:rPr>
-              <a:t>人不可姦淫</a:t>
-            </a:r>
-            <a:endParaRPr lang="en-US" altLang="zh-CN" sz="4800" b="1" dirty="0" smtClean="0">
-              <a:latin typeface="Microsoft JhengHei" pitchFamily="34" charset="-120"/>
-              <a:ea typeface="Microsoft JhengHei" pitchFamily="34" charset="-120"/>
-            </a:endParaRPr>
-          </a:p>
-          <a:p>
-            <a:pPr marL="0" indent="0" algn="ctr">
-              <a:buNone/>
-            </a:pPr>
-            <a:r>
-              <a:rPr lang="zh-CN" altLang="en-US" sz="4800" b="1" dirty="0">
-                <a:latin typeface="Microsoft JhengHei" pitchFamily="34" charset="-120"/>
-                <a:ea typeface="Microsoft JhengHei" pitchFamily="34" charset="-120"/>
-              </a:rPr>
-              <a:t>還嚴禁偷</a:t>
-            </a:r>
-            <a:r>
-              <a:rPr lang="zh-CN" altLang="en-US" sz="4800" b="1" dirty="0" smtClean="0">
-                <a:latin typeface="Microsoft JhengHei" pitchFamily="34" charset="-120"/>
-                <a:ea typeface="Microsoft JhengHei" pitchFamily="34" charset="-120"/>
-              </a:rPr>
-              <a:t>竊別人的東西</a:t>
-            </a:r>
-            <a:endParaRPr lang="en-US" altLang="zh-CN" sz="4800" b="1" dirty="0" smtClean="0">
-              <a:latin typeface="Microsoft JhengHei" pitchFamily="34" charset="-120"/>
-              <a:ea typeface="Microsoft JhengHei" pitchFamily="34" charset="-120"/>
-            </a:endParaRPr>
-          </a:p>
-          <a:p>
-            <a:pPr marL="0" indent="0" algn="ctr">
-              <a:buNone/>
-            </a:pPr>
-            <a:r>
-              <a:rPr lang="zh-CN" altLang="en-US" sz="4800" b="1" dirty="0">
-                <a:latin typeface="Microsoft JhengHei" pitchFamily="34" charset="-120"/>
-                <a:ea typeface="Microsoft JhengHei" pitchFamily="34" charset="-120"/>
-              </a:rPr>
-              <a:t>更加不應亂作假見証</a:t>
-            </a:r>
-            <a:endParaRPr lang="en-US" sz="4800" b="1" dirty="0">
-              <a:latin typeface="Microsoft JhengHei" pitchFamily="34" charset="-120"/>
-              <a:ea typeface="Microsoft JhengHei" pitchFamily="34" charset="-120"/>
-            </a:endParaRPr>
-          </a:p>
-        </p:txBody>
-      </p:sp>
-    </p:spTree>
-    <p:extLst>
-      <p:ext uri="{BB962C8B-B14F-4D97-AF65-F5344CB8AC3E}">
-        <p14:creationId xmlns:p14="http://schemas.microsoft.com/office/powerpoint/2010/main" val="486525278"/>
-      </p:ext>
-    </p:extLst>
-  </p:cSld>
-  <p:clrMapOvr>
-    <a:masterClrMapping/>
-  </p:clrMapOvr>
-</p:sld>
-</file>
-
-<file path=ppt/slides/slide9.xml><?xml version="1.0" encoding="utf-8"?>
-<p:sld xmlns:a="http://schemas.openxmlformats.org/drawingml/2006/main" xmlns:r="http://schemas.openxmlformats.org/officeDocument/2006/relationships" xmlns:p="http://schemas.openxmlformats.org/presentationml/2006/main">
-  <p:cSld>
-    <p:spTree>
-      <p:nvGrpSpPr>
-        <p:cNvPr id="1" name=""/>
-        <p:cNvGrpSpPr/>
-        <p:nvPr/>
-      </p:nvGrpSpPr>
-      <p:grpSpPr>
-        <a:xfrm>
-          <a:off x="0" y="0"/>
-          <a:ext cx="0" cy="0"/>
-          <a:chOff x="0" y="0"/>
-          <a:chExt cx="0" cy="0"/>
-        </a:xfrm>
-      </p:grpSpPr>
-      <p:sp>
-        <p:nvSpPr>
-          <p:cNvPr id="2" name="Title 1"/>
-          <p:cNvSpPr>
-            <a:spLocks noGrp="1"/>
-          </p:cNvSpPr>
-          <p:nvPr>
-            <p:ph type="title"/>
-          </p:nvPr>
-        </p:nvSpPr>
-        <p:spPr/>
-        <p:txBody>
-          <a:bodyPr/>
-          <a:lstStyle/>
-          <a:p>
-            <a:r>
-              <a:rPr lang="zh-CN" altLang="en-US" b="1" dirty="0" smtClean="0">
-                <a:latin typeface="Microsoft JhengHei" pitchFamily="34" charset="-120"/>
-                <a:ea typeface="Microsoft JhengHei" pitchFamily="34" charset="-120"/>
-              </a:rPr>
-              <a:t>齊來背十誡</a:t>
-            </a:r>
-            <a:endParaRPr lang="en-US" b="1" dirty="0">
-              <a:latin typeface="Microsoft JhengHei" pitchFamily="34" charset="-120"/>
-              <a:ea typeface="Microsoft JhengHei" pitchFamily="34" charset="-120"/>
-            </a:endParaRPr>
-          </a:p>
-        </p:txBody>
-      </p:sp>
-      <p:sp>
-        <p:nvSpPr>
-          <p:cNvPr id="3" name="Content Placeholder 2"/>
-          <p:cNvSpPr>
-            <a:spLocks noGrp="1"/>
-          </p:cNvSpPr>
-          <p:nvPr>
-            <p:ph idx="1"/>
-          </p:nvPr>
-        </p:nvSpPr>
-        <p:spPr>
-          <a:xfrm>
-            <a:off x="0" y="1200151"/>
-            <a:ext cx="9144000" cy="3394472"/>
-          </a:xfrm>
-        </p:spPr>
-        <p:txBody>
-          <a:bodyPr>
-            <a:normAutofit/>
-          </a:bodyPr>
-          <a:lstStyle/>
-          <a:p>
-            <a:pPr marL="0" indent="0" algn="ctr">
-              <a:buNone/>
-            </a:pPr>
-            <a:r>
-              <a:rPr lang="zh-CN" altLang="en-US" sz="4800" b="1" dirty="0" smtClean="0">
-                <a:latin typeface="Microsoft JhengHei" pitchFamily="34" charset="-120"/>
-                <a:ea typeface="Microsoft JhengHei" pitchFamily="34" charset="-120"/>
-              </a:rPr>
-              <a:t>還切記心裡不應起貪念</a:t>
-            </a:r>
-            <a:endParaRPr lang="en-US" altLang="zh-CN" sz="4800" b="1" dirty="0" smtClean="0">
-              <a:latin typeface="Microsoft JhengHei" pitchFamily="34" charset="-120"/>
-              <a:ea typeface="Microsoft JhengHei" pitchFamily="34" charset="-120"/>
-            </a:endParaRPr>
-          </a:p>
-          <a:p>
-            <a:pPr marL="0" indent="0" algn="ctr">
-              <a:buNone/>
-            </a:pPr>
-            <a:r>
-              <a:rPr lang="zh-CN" altLang="en-US" sz="4800" b="1" dirty="0" smtClean="0">
-                <a:latin typeface="Microsoft JhengHei" pitchFamily="34" charset="-120"/>
-                <a:ea typeface="Microsoft JhengHei" pitchFamily="34" charset="-120"/>
-              </a:rPr>
-              <a:t>十誡就這樣背晒</a:t>
-            </a:r>
-            <a:endParaRPr lang="en-US" sz="4800" b="1" dirty="0">
-              <a:latin typeface="Microsoft JhengHei" pitchFamily="34" charset="-120"/>
-              <a:ea typeface="Microsoft JhengHei" pitchFamily="34" charset="-120"/>
-            </a:endParaRPr>
-          </a:p>
-        </p:txBody>
-      </p:sp>
-    </p:spTree>
-    <p:extLst>
-      <p:ext uri="{BB962C8B-B14F-4D97-AF65-F5344CB8AC3E}">
-        <p14:creationId xmlns:p14="http://schemas.microsoft.com/office/powerpoint/2010/main" val="2171381558"/>
-      </p:ext>
-    </p:extLst>
   </p:cSld>
   <p:clrMapOvr>
     <a:masterClrMapping/>
